--- a/Document/패킷 송수신 모식도.pptx
+++ b/Document/패킷 송수신 모식도.pptx
@@ -271,7 +271,7 @@
           <a:p>
             <a:fld id="{2D648A5F-11CE-49B9-8547-2F6B6FE1AC36}" type="datetimeFigureOut">
               <a:rPr lang="ko-KR" altLang="en-US" smtClean="0"/>
-              <a:t>2020-09-06</a:t>
+              <a:t>2020-09-23</a:t>
             </a:fld>
             <a:endParaRPr lang="ko-KR" altLang="en-US"/>
           </a:p>
@@ -469,7 +469,7 @@
           <a:p>
             <a:fld id="{2D648A5F-11CE-49B9-8547-2F6B6FE1AC36}" type="datetimeFigureOut">
               <a:rPr lang="ko-KR" altLang="en-US" smtClean="0"/>
-              <a:t>2020-09-06</a:t>
+              <a:t>2020-09-23</a:t>
             </a:fld>
             <a:endParaRPr lang="ko-KR" altLang="en-US"/>
           </a:p>
@@ -677,7 +677,7 @@
           <a:p>
             <a:fld id="{2D648A5F-11CE-49B9-8547-2F6B6FE1AC36}" type="datetimeFigureOut">
               <a:rPr lang="ko-KR" altLang="en-US" smtClean="0"/>
-              <a:t>2020-09-06</a:t>
+              <a:t>2020-09-23</a:t>
             </a:fld>
             <a:endParaRPr lang="ko-KR" altLang="en-US"/>
           </a:p>
@@ -875,7 +875,7 @@
           <a:p>
             <a:fld id="{2D648A5F-11CE-49B9-8547-2F6B6FE1AC36}" type="datetimeFigureOut">
               <a:rPr lang="ko-KR" altLang="en-US" smtClean="0"/>
-              <a:t>2020-09-06</a:t>
+              <a:t>2020-09-23</a:t>
             </a:fld>
             <a:endParaRPr lang="ko-KR" altLang="en-US"/>
           </a:p>
@@ -1150,7 +1150,7 @@
           <a:p>
             <a:fld id="{2D648A5F-11CE-49B9-8547-2F6B6FE1AC36}" type="datetimeFigureOut">
               <a:rPr lang="ko-KR" altLang="en-US" smtClean="0"/>
-              <a:t>2020-09-06</a:t>
+              <a:t>2020-09-23</a:t>
             </a:fld>
             <a:endParaRPr lang="ko-KR" altLang="en-US"/>
           </a:p>
@@ -1415,7 +1415,7 @@
           <a:p>
             <a:fld id="{2D648A5F-11CE-49B9-8547-2F6B6FE1AC36}" type="datetimeFigureOut">
               <a:rPr lang="ko-KR" altLang="en-US" smtClean="0"/>
-              <a:t>2020-09-06</a:t>
+              <a:t>2020-09-23</a:t>
             </a:fld>
             <a:endParaRPr lang="ko-KR" altLang="en-US"/>
           </a:p>
@@ -1827,7 +1827,7 @@
           <a:p>
             <a:fld id="{2D648A5F-11CE-49B9-8547-2F6B6FE1AC36}" type="datetimeFigureOut">
               <a:rPr lang="ko-KR" altLang="en-US" smtClean="0"/>
-              <a:t>2020-09-06</a:t>
+              <a:t>2020-09-23</a:t>
             </a:fld>
             <a:endParaRPr lang="ko-KR" altLang="en-US"/>
           </a:p>
@@ -1968,7 +1968,7 @@
           <a:p>
             <a:fld id="{2D648A5F-11CE-49B9-8547-2F6B6FE1AC36}" type="datetimeFigureOut">
               <a:rPr lang="ko-KR" altLang="en-US" smtClean="0"/>
-              <a:t>2020-09-06</a:t>
+              <a:t>2020-09-23</a:t>
             </a:fld>
             <a:endParaRPr lang="ko-KR" altLang="en-US"/>
           </a:p>
@@ -2081,7 +2081,7 @@
           <a:p>
             <a:fld id="{2D648A5F-11CE-49B9-8547-2F6B6FE1AC36}" type="datetimeFigureOut">
               <a:rPr lang="ko-KR" altLang="en-US" smtClean="0"/>
-              <a:t>2020-09-06</a:t>
+              <a:t>2020-09-23</a:t>
             </a:fld>
             <a:endParaRPr lang="ko-KR" altLang="en-US"/>
           </a:p>
@@ -2392,7 +2392,7 @@
           <a:p>
             <a:fld id="{2D648A5F-11CE-49B9-8547-2F6B6FE1AC36}" type="datetimeFigureOut">
               <a:rPr lang="ko-KR" altLang="en-US" smtClean="0"/>
-              <a:t>2020-09-06</a:t>
+              <a:t>2020-09-23</a:t>
             </a:fld>
             <a:endParaRPr lang="ko-KR" altLang="en-US"/>
           </a:p>
@@ -2680,7 +2680,7 @@
           <a:p>
             <a:fld id="{2D648A5F-11CE-49B9-8547-2F6B6FE1AC36}" type="datetimeFigureOut">
               <a:rPr lang="ko-KR" altLang="en-US" smtClean="0"/>
-              <a:t>2020-09-06</a:t>
+              <a:t>2020-09-23</a:t>
             </a:fld>
             <a:endParaRPr lang="ko-KR" altLang="en-US"/>
           </a:p>
@@ -2921,7 +2921,7 @@
           <a:p>
             <a:fld id="{2D648A5F-11CE-49B9-8547-2F6B6FE1AC36}" type="datetimeFigureOut">
               <a:rPr lang="ko-KR" altLang="en-US" smtClean="0"/>
-              <a:t>2020-09-06</a:t>
+              <a:t>2020-09-23</a:t>
             </a:fld>
             <a:endParaRPr lang="ko-KR" altLang="en-US"/>
           </a:p>
@@ -4824,7 +4824,7 @@
         </p:nvCxnSpPr>
         <p:spPr>
           <a:xfrm flipH="1">
-            <a:off x="5465444" y="5809972"/>
+            <a:off x="5460060" y="5982392"/>
             <a:ext cx="1224929" cy="0"/>
           </a:xfrm>
           <a:prstGeom prst="straightConnector1">
@@ -4900,7 +4900,7 @@
         <p:spPr>
           <a:xfrm>
             <a:off x="5474228" y="5175603"/>
-            <a:ext cx="1223396" cy="584775"/>
+            <a:ext cx="1223396" cy="830997"/>
           </a:xfrm>
           <a:prstGeom prst="rect">
             <a:avLst/>
@@ -4915,7 +4915,13 @@
           <a:p>
             <a:r>
               <a:rPr lang="en-US" altLang="ko-KR" sz="1600" dirty="0"/>
-              <a:t>Default Response</a:t>
+              <a:t>Read attributes </a:t>
+            </a:r>
+          </a:p>
+          <a:p>
+            <a:r>
+              <a:rPr lang="en-US" altLang="ko-KR" sz="1600" dirty="0"/>
+              <a:t>Response</a:t>
             </a:r>
             <a:endParaRPr lang="ko-KR" altLang="en-US" sz="1600" dirty="0"/>
           </a:p>
